--- a/assets/slides/images.pptx
+++ b/assets/slides/images.pptx
@@ -256,7 +256,7 @@
               <a:rPr lang="en-US" smtClean="0"/>
               <a:t>10/22/2021</a:t>
             </a:fld>
-            <a:endParaRPr lang="en-US"/>
+            <a:endParaRPr lang="en-US" dirty="0"/>
           </a:p>
         </p:txBody>
       </p:sp>
@@ -281,7 +281,7 @@
           <a:bodyPr/>
           <a:lstStyle/>
           <a:p>
-            <a:endParaRPr lang="en-US"/>
+            <a:endParaRPr lang="en-US" dirty="0"/>
           </a:p>
         </p:txBody>
       </p:sp>
@@ -310,7 +310,7 @@
               <a:rPr lang="en-US" smtClean="0"/>
               <a:t>‹#›</a:t>
             </a:fld>
-            <a:endParaRPr lang="en-US"/>
+            <a:endParaRPr lang="en-US" dirty="0"/>
           </a:p>
         </p:txBody>
       </p:sp>
@@ -454,7 +454,7 @@
               <a:rPr lang="en-US" smtClean="0"/>
               <a:t>10/22/2021</a:t>
             </a:fld>
-            <a:endParaRPr lang="en-US"/>
+            <a:endParaRPr lang="en-US" dirty="0"/>
           </a:p>
         </p:txBody>
       </p:sp>
@@ -479,7 +479,7 @@
           <a:bodyPr/>
           <a:lstStyle/>
           <a:p>
-            <a:endParaRPr lang="en-US"/>
+            <a:endParaRPr lang="en-US" dirty="0"/>
           </a:p>
         </p:txBody>
       </p:sp>
@@ -508,7 +508,7 @@
               <a:rPr lang="en-US" smtClean="0"/>
               <a:t>‹#›</a:t>
             </a:fld>
-            <a:endParaRPr lang="en-US"/>
+            <a:endParaRPr lang="en-US" dirty="0"/>
           </a:p>
         </p:txBody>
       </p:sp>
@@ -662,7 +662,7 @@
               <a:rPr lang="en-US" smtClean="0"/>
               <a:t>10/22/2021</a:t>
             </a:fld>
-            <a:endParaRPr lang="en-US"/>
+            <a:endParaRPr lang="en-US" dirty="0"/>
           </a:p>
         </p:txBody>
       </p:sp>
@@ -687,7 +687,7 @@
           <a:bodyPr/>
           <a:lstStyle/>
           <a:p>
-            <a:endParaRPr lang="en-US"/>
+            <a:endParaRPr lang="en-US" dirty="0"/>
           </a:p>
         </p:txBody>
       </p:sp>
@@ -716,7 +716,7 @@
               <a:rPr lang="en-US" smtClean="0"/>
               <a:t>‹#›</a:t>
             </a:fld>
-            <a:endParaRPr lang="en-US"/>
+            <a:endParaRPr lang="en-US" dirty="0"/>
           </a:p>
         </p:txBody>
       </p:sp>
@@ -860,7 +860,7 @@
               <a:rPr lang="en-US" smtClean="0"/>
               <a:t>10/22/2021</a:t>
             </a:fld>
-            <a:endParaRPr lang="en-US"/>
+            <a:endParaRPr lang="en-US" dirty="0"/>
           </a:p>
         </p:txBody>
       </p:sp>
@@ -885,7 +885,7 @@
           <a:bodyPr/>
           <a:lstStyle/>
           <a:p>
-            <a:endParaRPr lang="en-US"/>
+            <a:endParaRPr lang="en-US" dirty="0"/>
           </a:p>
         </p:txBody>
       </p:sp>
@@ -914,7 +914,7 @@
               <a:rPr lang="en-US" smtClean="0"/>
               <a:t>‹#›</a:t>
             </a:fld>
-            <a:endParaRPr lang="en-US"/>
+            <a:endParaRPr lang="en-US" dirty="0"/>
           </a:p>
         </p:txBody>
       </p:sp>
@@ -1135,7 +1135,7 @@
               <a:rPr lang="en-US" smtClean="0"/>
               <a:t>10/22/2021</a:t>
             </a:fld>
-            <a:endParaRPr lang="en-US"/>
+            <a:endParaRPr lang="en-US" dirty="0"/>
           </a:p>
         </p:txBody>
       </p:sp>
@@ -1160,7 +1160,7 @@
           <a:bodyPr/>
           <a:lstStyle/>
           <a:p>
-            <a:endParaRPr lang="en-US"/>
+            <a:endParaRPr lang="en-US" dirty="0"/>
           </a:p>
         </p:txBody>
       </p:sp>
@@ -1189,7 +1189,7 @@
               <a:rPr lang="en-US" smtClean="0"/>
               <a:t>‹#›</a:t>
             </a:fld>
-            <a:endParaRPr lang="en-US"/>
+            <a:endParaRPr lang="en-US" dirty="0"/>
           </a:p>
         </p:txBody>
       </p:sp>
@@ -1400,7 +1400,7 @@
               <a:rPr lang="en-US" smtClean="0"/>
               <a:t>10/22/2021</a:t>
             </a:fld>
-            <a:endParaRPr lang="en-US"/>
+            <a:endParaRPr lang="en-US" dirty="0"/>
           </a:p>
         </p:txBody>
       </p:sp>
@@ -1425,7 +1425,7 @@
           <a:bodyPr/>
           <a:lstStyle/>
           <a:p>
-            <a:endParaRPr lang="en-US"/>
+            <a:endParaRPr lang="en-US" dirty="0"/>
           </a:p>
         </p:txBody>
       </p:sp>
@@ -1454,7 +1454,7 @@
               <a:rPr lang="en-US" smtClean="0"/>
               <a:t>‹#›</a:t>
             </a:fld>
-            <a:endParaRPr lang="en-US"/>
+            <a:endParaRPr lang="en-US" dirty="0"/>
           </a:p>
         </p:txBody>
       </p:sp>
@@ -1812,7 +1812,7 @@
               <a:rPr lang="en-US" smtClean="0"/>
               <a:t>10/22/2021</a:t>
             </a:fld>
-            <a:endParaRPr lang="en-US"/>
+            <a:endParaRPr lang="en-US" dirty="0"/>
           </a:p>
         </p:txBody>
       </p:sp>
@@ -1837,7 +1837,7 @@
           <a:bodyPr/>
           <a:lstStyle/>
           <a:p>
-            <a:endParaRPr lang="en-US"/>
+            <a:endParaRPr lang="en-US" dirty="0"/>
           </a:p>
         </p:txBody>
       </p:sp>
@@ -1866,7 +1866,7 @@
               <a:rPr lang="en-US" smtClean="0"/>
               <a:t>‹#›</a:t>
             </a:fld>
-            <a:endParaRPr lang="en-US"/>
+            <a:endParaRPr lang="en-US" dirty="0"/>
           </a:p>
         </p:txBody>
       </p:sp>
@@ -1953,7 +1953,7 @@
               <a:rPr lang="en-US" smtClean="0"/>
               <a:t>10/22/2021</a:t>
             </a:fld>
-            <a:endParaRPr lang="en-US"/>
+            <a:endParaRPr lang="en-US" dirty="0"/>
           </a:p>
         </p:txBody>
       </p:sp>
@@ -1978,7 +1978,7 @@
           <a:bodyPr/>
           <a:lstStyle/>
           <a:p>
-            <a:endParaRPr lang="en-US"/>
+            <a:endParaRPr lang="en-US" dirty="0"/>
           </a:p>
         </p:txBody>
       </p:sp>
@@ -2007,7 +2007,7 @@
               <a:rPr lang="en-US" smtClean="0"/>
               <a:t>‹#›</a:t>
             </a:fld>
-            <a:endParaRPr lang="en-US"/>
+            <a:endParaRPr lang="en-US" dirty="0"/>
           </a:p>
         </p:txBody>
       </p:sp>
@@ -2066,7 +2066,7 @@
               <a:rPr lang="en-US" smtClean="0"/>
               <a:t>10/22/2021</a:t>
             </a:fld>
-            <a:endParaRPr lang="en-US"/>
+            <a:endParaRPr lang="en-US" dirty="0"/>
           </a:p>
         </p:txBody>
       </p:sp>
@@ -2091,7 +2091,7 @@
           <a:bodyPr/>
           <a:lstStyle/>
           <a:p>
-            <a:endParaRPr lang="en-US"/>
+            <a:endParaRPr lang="en-US" dirty="0"/>
           </a:p>
         </p:txBody>
       </p:sp>
@@ -2120,7 +2120,7 @@
               <a:rPr lang="en-US" smtClean="0"/>
               <a:t>‹#›</a:t>
             </a:fld>
-            <a:endParaRPr lang="en-US"/>
+            <a:endParaRPr lang="en-US" dirty="0"/>
           </a:p>
         </p:txBody>
       </p:sp>
@@ -2377,7 +2377,7 @@
               <a:rPr lang="en-US" smtClean="0"/>
               <a:t>10/22/2021</a:t>
             </a:fld>
-            <a:endParaRPr lang="en-US"/>
+            <a:endParaRPr lang="en-US" dirty="0"/>
           </a:p>
         </p:txBody>
       </p:sp>
@@ -2402,7 +2402,7 @@
           <a:bodyPr/>
           <a:lstStyle/>
           <a:p>
-            <a:endParaRPr lang="en-US"/>
+            <a:endParaRPr lang="en-US" dirty="0"/>
           </a:p>
         </p:txBody>
       </p:sp>
@@ -2431,7 +2431,7 @@
               <a:rPr lang="en-US" smtClean="0"/>
               <a:t>‹#›</a:t>
             </a:fld>
-            <a:endParaRPr lang="en-US"/>
+            <a:endParaRPr lang="en-US" dirty="0"/>
           </a:p>
         </p:txBody>
       </p:sp>
@@ -2565,7 +2565,7 @@
             </a:lvl9pPr>
           </a:lstStyle>
           <a:p>
-            <a:endParaRPr lang="en-US"/>
+            <a:endParaRPr lang="en-US" dirty="0"/>
           </a:p>
         </p:txBody>
       </p:sp>
@@ -2665,7 +2665,7 @@
               <a:rPr lang="en-US" smtClean="0"/>
               <a:t>10/22/2021</a:t>
             </a:fld>
-            <a:endParaRPr lang="en-US"/>
+            <a:endParaRPr lang="en-US" dirty="0"/>
           </a:p>
         </p:txBody>
       </p:sp>
@@ -2690,7 +2690,7 @@
           <a:bodyPr/>
           <a:lstStyle/>
           <a:p>
-            <a:endParaRPr lang="en-US"/>
+            <a:endParaRPr lang="en-US" dirty="0"/>
           </a:p>
         </p:txBody>
       </p:sp>
@@ -2719,7 +2719,7 @@
               <a:rPr lang="en-US" smtClean="0"/>
               <a:t>‹#›</a:t>
             </a:fld>
-            <a:endParaRPr lang="en-US"/>
+            <a:endParaRPr lang="en-US" dirty="0"/>
           </a:p>
         </p:txBody>
       </p:sp>
@@ -2906,7 +2906,7 @@
               <a:rPr lang="en-US" smtClean="0"/>
               <a:t>10/22/2021</a:t>
             </a:fld>
-            <a:endParaRPr lang="en-US"/>
+            <a:endParaRPr lang="en-US" dirty="0"/>
           </a:p>
         </p:txBody>
       </p:sp>
@@ -2949,7 +2949,7 @@
             </a:lvl1pPr>
           </a:lstStyle>
           <a:p>
-            <a:endParaRPr lang="en-US"/>
+            <a:endParaRPr lang="en-US" dirty="0"/>
           </a:p>
         </p:txBody>
       </p:sp>
@@ -2996,7 +2996,7 @@
               <a:rPr lang="en-US" smtClean="0"/>
               <a:t>‹#›</a:t>
             </a:fld>
-            <a:endParaRPr lang="en-US"/>
+            <a:endParaRPr lang="en-US" dirty="0"/>
           </a:p>
         </p:txBody>
       </p:sp>
@@ -3362,8 +3362,12 @@
           <a:bodyPr rtlCol="0" anchor="ctr"/>
           <a:lstStyle/>
           <a:p>
-            <a:pPr algn="ctr"/>
-            <a:endParaRPr lang="en-US"/>
+            <a:pPr algn="ctr">
+              <a:lnSpc>
+                <a:spcPct val="150000"/>
+              </a:lnSpc>
+            </a:pPr>
+            <a:endParaRPr lang="en-US" dirty="0"/>
           </a:p>
         </p:txBody>
       </p:sp>
@@ -3381,8 +3385,8 @@
         </p:nvSpPr>
         <p:spPr>
           <a:xfrm>
-            <a:off x="3187700" y="2500868"/>
-            <a:ext cx="838200" cy="369332"/>
+            <a:off x="3208552" y="2362847"/>
+            <a:ext cx="838200" cy="464871"/>
           </a:xfrm>
           <a:prstGeom prst="rect">
             <a:avLst/>
@@ -3395,6 +3399,11 @@
           </a:bodyPr>
           <a:lstStyle/>
           <a:p>
+            <a:pPr>
+              <a:lnSpc>
+                <a:spcPct val="150000"/>
+              </a:lnSpc>
+            </a:pPr>
             <a:r>
               <a:rPr lang="en-US" dirty="0"/>
               <a:t>C, C++</a:t>
@@ -3416,8 +3425,8 @@
         </p:nvSpPr>
         <p:spPr>
           <a:xfrm>
-            <a:off x="1358900" y="2500868"/>
-            <a:ext cx="1075936" cy="369332"/>
+            <a:off x="1358900" y="2362848"/>
+            <a:ext cx="1075936" cy="464871"/>
           </a:xfrm>
           <a:prstGeom prst="rect">
             <a:avLst/>
@@ -3430,6 +3439,11 @@
           </a:bodyPr>
           <a:lstStyle/>
           <a:p>
+            <a:pPr>
+              <a:lnSpc>
+                <a:spcPct val="150000"/>
+              </a:lnSpc>
+            </a:pPr>
             <a:r>
               <a:rPr lang="en-US" b="0" i="0" dirty="0">
                 <a:effectLst/>
@@ -3455,8 +3469,8 @@
         </p:nvSpPr>
         <p:spPr>
           <a:xfrm>
-            <a:off x="7915526" y="2500868"/>
-            <a:ext cx="1773432" cy="369332"/>
+            <a:off x="7915526" y="2362845"/>
+            <a:ext cx="1773432" cy="464871"/>
           </a:xfrm>
           <a:prstGeom prst="rect">
             <a:avLst/>
@@ -3469,6 +3483,11 @@
           </a:bodyPr>
           <a:lstStyle/>
           <a:p>
+            <a:pPr>
+              <a:lnSpc>
+                <a:spcPct val="150000"/>
+              </a:lnSpc>
+            </a:pPr>
             <a:r>
               <a:rPr lang="en-US" dirty="0"/>
               <a:t>Python, JS, Ruby</a:t>
@@ -3490,8 +3509,8 @@
         </p:nvSpPr>
         <p:spPr>
           <a:xfrm>
-            <a:off x="6372916" y="2500868"/>
-            <a:ext cx="926023" cy="369332"/>
+            <a:off x="6303610" y="2362846"/>
+            <a:ext cx="926023" cy="464871"/>
           </a:xfrm>
           <a:prstGeom prst="rect">
             <a:avLst/>
@@ -3504,6 +3523,11 @@
           </a:bodyPr>
           <a:lstStyle/>
           <a:p>
+            <a:pPr>
+              <a:lnSpc>
+                <a:spcPct val="150000"/>
+              </a:lnSpc>
+            </a:pPr>
             <a:r>
               <a:rPr lang="en-US" dirty="0"/>
               <a:t>Java, C#</a:t>
@@ -3526,7 +3550,7 @@
         <p:spPr>
           <a:xfrm>
             <a:off x="1358900" y="3156634"/>
-            <a:ext cx="2687852" cy="646331"/>
+            <a:ext cx="2227213" cy="880369"/>
           </a:xfrm>
           <a:prstGeom prst="rect">
             <a:avLst/>
@@ -3539,64 +3563,33 @@
           </a:bodyPr>
           <a:lstStyle/>
           <a:p>
-            <a:r>
-              <a:rPr lang="en-US" dirty="0" err="1"/>
-              <a:t>Tự</a:t>
-            </a:r>
+            <a:pPr>
+              <a:lnSpc>
+                <a:spcPct val="150000"/>
+              </a:lnSpc>
+            </a:pPr>
             <a:r>
               <a:rPr lang="en-US" dirty="0"/>
-              <a:t> </a:t>
-            </a:r>
-            <a:r>
-              <a:rPr lang="en-US" dirty="0" err="1"/>
-              <a:t>quản</a:t>
-            </a:r>
-            <a:r>
-              <a:rPr lang="en-US" dirty="0"/>
-              <a:t> </a:t>
-            </a:r>
-            <a:r>
-              <a:rPr lang="en-US" dirty="0" err="1"/>
-              <a:t>lý</a:t>
-            </a:r>
-            <a:r>
-              <a:rPr lang="en-US" dirty="0"/>
-              <a:t> </a:t>
-            </a:r>
-            <a:r>
-              <a:rPr lang="en-US" dirty="0" err="1"/>
-              <a:t>bộ</a:t>
-            </a:r>
-            <a:r>
-              <a:rPr lang="en-US" dirty="0"/>
-              <a:t> </a:t>
-            </a:r>
-            <a:r>
-              <a:rPr lang="en-US" dirty="0" err="1"/>
-              <a:t>nhớ</a:t>
+              <a:t>Khả năng quản lý </a:t>
+            </a:r>
+            <a:r>
+              <a:rPr lang="en-US"/>
+              <a:t>cao</a:t>
             </a:r>
             <a:r>
               <a:rPr lang="en-US" dirty="0"/>
               <a:t>,</a:t>
             </a:r>
-            <a:br>
+          </a:p>
+          <a:p>
+            <a:pPr>
+              <a:lnSpc>
+                <a:spcPct val="150000"/>
+              </a:lnSpc>
+            </a:pPr>
+            <a:r>
               <a:rPr lang="en-US" dirty="0"/>
-            </a:br>
-            <a:r>
-              <a:rPr lang="en-US" dirty="0" err="1"/>
-              <a:t>dễ</a:t>
-            </a:r>
-            <a:r>
-              <a:rPr lang="en-US" dirty="0"/>
-              <a:t> bug, </a:t>
-            </a:r>
-            <a:r>
-              <a:rPr lang="en-US" dirty="0" err="1"/>
-              <a:t>dễ</a:t>
-            </a:r>
-            <a:r>
-              <a:rPr lang="en-US" dirty="0"/>
-              <a:t> crash, data leak</a:t>
+              <a:t>Ít an toàn</a:t>
             </a:r>
           </a:p>
         </p:txBody>
@@ -3615,8 +3608,8 @@
         </p:nvSpPr>
         <p:spPr>
           <a:xfrm>
-            <a:off x="6924692" y="3156634"/>
-            <a:ext cx="2854308" cy="646331"/>
+            <a:off x="7438742" y="3156633"/>
+            <a:ext cx="2334293" cy="880369"/>
           </a:xfrm>
           <a:prstGeom prst="rect">
             <a:avLst/>
@@ -3629,103 +3622,25 @@
           </a:bodyPr>
           <a:lstStyle/>
           <a:p>
-            <a:r>
-              <a:rPr lang="en-US" dirty="0" err="1"/>
-              <a:t>Có</a:t>
-            </a:r>
+            <a:pPr>
+              <a:lnSpc>
+                <a:spcPct val="150000"/>
+              </a:lnSpc>
+            </a:pPr>
             <a:r>
               <a:rPr lang="en-US" dirty="0"/>
-              <a:t> </a:t>
-            </a:r>
-            <a:r>
-              <a:rPr lang="en-US" dirty="0" err="1"/>
-              <a:t>người</a:t>
-            </a:r>
+              <a:t>Khả năng quản lý thấp,</a:t>
+            </a:r>
+          </a:p>
+          <a:p>
+            <a:pPr>
+              <a:lnSpc>
+                <a:spcPct val="150000"/>
+              </a:lnSpc>
+            </a:pPr>
             <a:r>
               <a:rPr lang="en-US" dirty="0"/>
-              <a:t> </a:t>
-            </a:r>
-            <a:r>
-              <a:rPr lang="en-US" dirty="0" err="1"/>
-              <a:t>quản</a:t>
-            </a:r>
-            <a:r>
-              <a:rPr lang="en-US" dirty="0"/>
-              <a:t> </a:t>
-            </a:r>
-            <a:r>
-              <a:rPr lang="en-US" dirty="0" err="1"/>
-              <a:t>lý</a:t>
-            </a:r>
-            <a:r>
-              <a:rPr lang="en-US" dirty="0"/>
-              <a:t> </a:t>
-            </a:r>
-            <a:r>
-              <a:rPr lang="en-US" dirty="0" err="1"/>
-              <a:t>bộ</a:t>
-            </a:r>
-            <a:r>
-              <a:rPr lang="en-US" dirty="0"/>
-              <a:t> </a:t>
-            </a:r>
-            <a:r>
-              <a:rPr lang="en-US" dirty="0" err="1"/>
-              <a:t>nhớ</a:t>
-            </a:r>
-            <a:r>
-              <a:rPr lang="en-US" dirty="0"/>
-              <a:t> </a:t>
-            </a:r>
-            <a:r>
-              <a:rPr lang="en-US" dirty="0" err="1"/>
-              <a:t>hộ</a:t>
-            </a:r>
-            <a:r>
-              <a:rPr lang="en-US" dirty="0"/>
-              <a:t>,</a:t>
-            </a:r>
-          </a:p>
-          <a:p>
-            <a:r>
-              <a:rPr lang="en-US" dirty="0" err="1"/>
-              <a:t>Im</a:t>
-            </a:r>
-            <a:r>
-              <a:rPr lang="en-US" dirty="0"/>
-              <a:t> </a:t>
-            </a:r>
-            <a:r>
-              <a:rPr lang="en-US" dirty="0" err="1"/>
-              <a:t>ỉm</a:t>
-            </a:r>
-            <a:r>
-              <a:rPr lang="en-US" dirty="0"/>
-              <a:t> </a:t>
-            </a:r>
-            <a:r>
-              <a:rPr lang="en-US" dirty="0" err="1"/>
-              <a:t>ăn</a:t>
-            </a:r>
-            <a:r>
-              <a:rPr lang="en-US" dirty="0"/>
-              <a:t> ram </a:t>
-            </a:r>
-            <a:r>
-              <a:rPr lang="en-US" dirty="0" err="1"/>
-              <a:t>từ</a:t>
-            </a:r>
-            <a:r>
-              <a:rPr lang="en-US" dirty="0"/>
-              <a:t> </a:t>
-            </a:r>
-            <a:r>
-              <a:rPr lang="en-US" dirty="0" err="1"/>
-              <a:t>từ</a:t>
-            </a:r>
-            <a:r>
-              <a:rPr lang="en-US" dirty="0"/>
-              <a:t> :]]</a:t>
+              <a:t>An toàn hơn</a:t>
             </a:r>
           </a:p>
         </p:txBody>
